--- a/Train Station Analysis/Train station VS house price analysis.pptx
+++ b/Train Station Analysis/Train station VS house price analysis.pptx
@@ -132,7 +132,7 @@
   <pc:docChgLst>
     <pc:chgData name="Franco Hung" userId="50f19df39372ef09" providerId="LiveId" clId="{CD6EAE7E-B9F4-4B1D-B4B9-4931C439740C}"/>
     <pc:docChg chg="undo custSel addSld modSld">
-      <pc:chgData name="Franco Hung" userId="50f19df39372ef09" providerId="LiveId" clId="{CD6EAE7E-B9F4-4B1D-B4B9-4931C439740C}" dt="2021-09-23T01:24:22.541" v="1576" actId="14100"/>
+      <pc:chgData name="Franco Hung" userId="50f19df39372ef09" providerId="LiveId" clId="{CD6EAE7E-B9F4-4B1D-B4B9-4931C439740C}" dt="2021-09-23T04:23:50.167" v="1582" actId="1076"/>
       <pc:docMkLst>
         <pc:docMk/>
       </pc:docMkLst>
@@ -327,13 +327,13 @@
         </pc:picChg>
       </pc:sldChg>
       <pc:sldChg chg="addSp delSp modSp new mod setBg setClrOvrMap">
-        <pc:chgData name="Franco Hung" userId="50f19df39372ef09" providerId="LiveId" clId="{CD6EAE7E-B9F4-4B1D-B4B9-4931C439740C}" dt="2021-09-23T01:15:56.969" v="1551" actId="2711"/>
+        <pc:chgData name="Franco Hung" userId="50f19df39372ef09" providerId="LiveId" clId="{CD6EAE7E-B9F4-4B1D-B4B9-4931C439740C}" dt="2021-09-23T04:23:50.167" v="1582" actId="1076"/>
         <pc:sldMkLst>
           <pc:docMk/>
           <pc:sldMk cId="150685713" sldId="258"/>
         </pc:sldMkLst>
         <pc:spChg chg="mod ord">
-          <ac:chgData name="Franco Hung" userId="50f19df39372ef09" providerId="LiveId" clId="{CD6EAE7E-B9F4-4B1D-B4B9-4931C439740C}" dt="2021-09-23T01:15:56.969" v="1551" actId="2711"/>
+          <ac:chgData name="Franco Hung" userId="50f19df39372ef09" providerId="LiveId" clId="{CD6EAE7E-B9F4-4B1D-B4B9-4931C439740C}" dt="2021-09-23T04:23:50.167" v="1582" actId="1076"/>
           <ac:spMkLst>
             <pc:docMk/>
             <pc:sldMk cId="150685713" sldId="258"/>
@@ -5570,8 +5570,8 @@
         </p:nvSpPr>
         <p:spPr>
           <a:xfrm>
-            <a:off x="838200" y="-398102"/>
-            <a:ext cx="10515600" cy="1325563"/>
+            <a:off x="838200" y="-283074"/>
+            <a:ext cx="10515600" cy="1095506"/>
           </a:xfrm>
         </p:spPr>
         <p:txBody>
